--- a/lectures/lecture-13/Lecture 13 - Lecture.pptx
+++ b/lectures/lecture-13/Lecture 13 - Lecture.pptx
@@ -145,6 +145,230 @@
     </p:ext>
   </p:extLst>
 </p:presentation>
+</file>
+
+<file path=ppt/ink/ink1.xml><?xml version="1.0" encoding="utf-8"?>
+<inkml:ink xmlns:inkml="http://www.w3.org/2003/InkML">
+  <inkml:definitions>
+    <inkml:context xml:id="ctx0">
+      <inkml:inkSource xml:id="inkSrc0">
+        <inkml:traceFormat>
+          <inkml:channel name="X" type="integer" min="-2.14748E9" max="2.14748E9" units="cm"/>
+          <inkml:channel name="Y" type="integer" min="-2.14748E9" max="2.14748E9" units="cm"/>
+          <inkml:channel name="F" type="integer" max="32767" units="dev"/>
+          <inkml:channel name="OA" type="integer" max="360" units="deg"/>
+          <inkml:channel name="OE" type="integer" max="90" units="deg"/>
+        </inkml:traceFormat>
+        <inkml:channelProperties>
+          <inkml:channelProperty channel="X" name="resolution" value="1000" units="1/cm"/>
+          <inkml:channelProperty channel="Y" name="resolution" value="1000" units="1/cm"/>
+          <inkml:channelProperty channel="F" name="resolution" value="0" units="1/dev"/>
+          <inkml:channelProperty channel="OA" name="resolution" value="1000" units="1/deg"/>
+          <inkml:channelProperty channel="OE" name="resolution" value="1000" units="1/deg"/>
+        </inkml:channelProperties>
+      </inkml:inkSource>
+      <inkml:timestamp xml:id="ts0" timeString="2021-07-19T16:30:44.715"/>
+    </inkml:context>
+    <inkml:brush xml:id="br0">
+      <inkml:brushProperty name="width" value="0.05" units="cm"/>
+      <inkml:brushProperty name="height" value="0.05" units="cm"/>
+      <inkml:brushProperty name="color" value="#FF0066"/>
+    </inkml:brush>
+  </inkml:definitions>
+  <inkml:trace contextRef="#ctx0" brushRef="#br0">25 71 3224 0 0,'0'0'5530'0'0,"-14"-5"-1395"0"0,13 3-3981 0 0,0 1 0 0 0,0 0 1 0 0,0-1-1 0 0,0 1 0 0 0,0-1 1 0 0,1 1-1 0 0,-1-1 0 0 0,0 1 0 0 0,1-1 1 0 0,0 0-1 0 0,-1 1 0 0 0,1-1 0 0 0,0-2 1 0 0,0-25 472 0 0,0 16 3820 0 0,-2 33-3840 0 0,2-19-559 0 0,0 1-1 0 0,0-1 1 0 0,0 0 0 0 0,0 0 0 0 0,1 0-1 0 0,-1 0 1 0 0,0 0 0 0 0,0 0 0 0 0,1 0-1 0 0,-1 0 1 0 0,1 0 0 0 0,-1 0-1 0 0,1 0 1 0 0,-1 0 0 0 0,1 0 0 0 0,0 0-1 0 0,-1 0 1 0 0,1 0 0 0 0,1 1 0 0 0,0-1 14 0 0,0 0 0 0 0,0 0 0 0 0,-1 0 0 0 0,1 0 0 0 0,0-1 0 0 0,0 1 0 0 0,0 0 0 0 0,0-1 0 0 0,0 0 0 0 0,3 1 0 0 0,41 0 778 0 0,-34-1-582 0 0,0 0 1 0 0,14 2 0 0 0,104 13 965 0 0,-19-6-614 0 0,-17-3-340 0 0,140 36 978 0 0,-180-29-201 0 0,104 9-1 0 0,-147-21-926 0 0,0-1 0 0 0,0 0 0 0 0,0 0 0 0 0,0-2-1 0 0,0 1 1 0 0,0-1 0 0 0,-1-1 0 0 0,1 0-1 0 0,-1 0 1 0 0,0-1 0 0 0,15-8 0 0 0,-23 11-101 0 0,-1 0 0 0 0,1 0 0 0 0,-1 0 0 0 0,1-1 0 0 0,-1 1 1 0 0,0 0-1 0 0,1-1 0 0 0,-1 1 0 0 0,0-1 0 0 0,2-2 0 0 0,-2 2 35 0 0,1 0-41 0 0,-2-2-114 0 0,0 3-422 0 0</inkml:trace>
+</inkml:ink>
+</file>
+
+<file path=ppt/ink/ink2.xml><?xml version="1.0" encoding="utf-8"?>
+<inkml:ink xmlns:inkml="http://www.w3.org/2003/InkML">
+  <inkml:definitions>
+    <inkml:context xml:id="ctx0">
+      <inkml:inkSource xml:id="inkSrc0">
+        <inkml:traceFormat>
+          <inkml:channel name="X" type="integer" min="-2.14748E9" max="2.14748E9" units="cm"/>
+          <inkml:channel name="Y" type="integer" min="-2.14748E9" max="2.14748E9" units="cm"/>
+          <inkml:channel name="F" type="integer" max="32767" units="dev"/>
+          <inkml:channel name="OA" type="integer" max="360" units="deg"/>
+          <inkml:channel name="OE" type="integer" max="90" units="deg"/>
+        </inkml:traceFormat>
+        <inkml:channelProperties>
+          <inkml:channelProperty channel="X" name="resolution" value="1000" units="1/cm"/>
+          <inkml:channelProperty channel="Y" name="resolution" value="1000" units="1/cm"/>
+          <inkml:channelProperty channel="F" name="resolution" value="0" units="1/dev"/>
+          <inkml:channelProperty channel="OA" name="resolution" value="1000" units="1/deg"/>
+          <inkml:channelProperty channel="OE" name="resolution" value="1000" units="1/deg"/>
+        </inkml:channelProperties>
+      </inkml:inkSource>
+      <inkml:timestamp xml:id="ts0" timeString="2021-07-19T16:30:47.608"/>
+    </inkml:context>
+    <inkml:brush xml:id="br0">
+      <inkml:brushProperty name="width" value="0.05" units="cm"/>
+      <inkml:brushProperty name="height" value="0.05" units="cm"/>
+      <inkml:brushProperty name="color" value="#FF0066"/>
+    </inkml:brush>
+  </inkml:definitions>
+  <inkml:trace contextRef="#ctx0" brushRef="#br0">17 50 4144 0 0,'-16'7'16095'0'0,"26"-7"-15150"0"0,0-2-1 0 0,14-3 0 0 0,-13 3-423 0 0,16-2 255 0 0,-20 4-682 0 0,-1-1 1 0 0,1 0-1 0 0,0-1 0 0 0,10-3 1 0 0,-5 1 163 0 0,1 0 1 0 0,0 1 0 0 0,0 0-1 0 0,0 1 1 0 0,21-1 0 0 0,-9 3 232 0 0,51 7 0 0 0,-40-4-261 0 0,36-2-1 0 0,-67-1-213 0 0,154-8 552 0 0,-47 1-488 0 0,-27 2 107 0 0,57-1-54 0 0,-121 6-105 0 0,26 1-10 0 0,91 15 0 0 0,15 5 25 0 0,-66-10-33 0 0,118 27 108 0 0,-84-13-48 0 0,207 11 446 0 0,-326-36-516 0 0,246 14 144 0 0,-248-14-144 0 0,537 8 684 0 0,-517-8-648 0 0,282-20 204 0 0,-243 14-95 0 0,-29 4-38 0 0,1-1 0 0 0,-1-1-1 0 0,55-16 1 0 0,-65 12 28 0 0,-19 7-182 0 0,-3 1-412 0 0,-13-14-2762 0 0</inkml:trace>
+</inkml:ink>
+</file>
+
+<file path=ppt/ink/ink3.xml><?xml version="1.0" encoding="utf-8"?>
+<inkml:ink xmlns:inkml="http://www.w3.org/2003/InkML">
+  <inkml:definitions>
+    <inkml:context xml:id="ctx0">
+      <inkml:inkSource xml:id="inkSrc0">
+        <inkml:traceFormat>
+          <inkml:channel name="X" type="integer" min="-2.14748E9" max="2.14748E9" units="cm"/>
+          <inkml:channel name="Y" type="integer" min="-2.14748E9" max="2.14748E9" units="cm"/>
+          <inkml:channel name="F" type="integer" max="32767" units="dev"/>
+          <inkml:channel name="OA" type="integer" max="360" units="deg"/>
+          <inkml:channel name="OE" type="integer" max="90" units="deg"/>
+        </inkml:traceFormat>
+        <inkml:channelProperties>
+          <inkml:channelProperty channel="X" name="resolution" value="1000" units="1/cm"/>
+          <inkml:channelProperty channel="Y" name="resolution" value="1000" units="1/cm"/>
+          <inkml:channelProperty channel="F" name="resolution" value="0" units="1/dev"/>
+          <inkml:channelProperty channel="OA" name="resolution" value="1000" units="1/deg"/>
+          <inkml:channelProperty channel="OE" name="resolution" value="1000" units="1/deg"/>
+        </inkml:channelProperties>
+      </inkml:inkSource>
+      <inkml:timestamp xml:id="ts0" timeString="2021-07-19T16:30:48.984"/>
+    </inkml:context>
+    <inkml:brush xml:id="br0">
+      <inkml:brushProperty name="width" value="0.05" units="cm"/>
+      <inkml:brushProperty name="height" value="0.05" units="cm"/>
+      <inkml:brushProperty name="color" value="#FF0066"/>
+    </inkml:brush>
+  </inkml:definitions>
+  <inkml:trace contextRef="#ctx0" brushRef="#br0">20 66 2304 0 0,'-20'-8'11660'0'0,"20"8"-11501"0"0,12-3 1830 0 0,19 2-1744 0 0,81 17 1988 0 0,26 2-553 0 0,-76-16-897 0 0,64-7 0 0 0,59-15 545 0 0,37-2-949 0 0,44 19 815 0 0,-76 23-1054 0 0,-100-10-98 0 0,-57-6 222 0 0,1-1 0 0 0,-1-2 0 0 0,33-4 0 0 0,41-1 949 0 0,-69 4-1073 0 0,68-10 1 0 0,21-5 453 0 0,-23 0-186 0 0,56 0 277 0 0,-155 14-677 0 0,83-1 187 0 0,17-1 517 0 0,43-5 936 0 0,-49 8-1648 0 0,-95 0 0 0 0,2-1 11 0 0,-5 0 17 0 0</inkml:trace>
+</inkml:ink>
+</file>
+
+<file path=ppt/ink/ink4.xml><?xml version="1.0" encoding="utf-8"?>
+<inkml:ink xmlns:inkml="http://www.w3.org/2003/InkML">
+  <inkml:definitions>
+    <inkml:context xml:id="ctx0">
+      <inkml:inkSource xml:id="inkSrc0">
+        <inkml:traceFormat>
+          <inkml:channel name="X" type="integer" min="-2.14748E9" max="2.14748E9" units="cm"/>
+          <inkml:channel name="Y" type="integer" min="-2.14748E9" max="2.14748E9" units="cm"/>
+          <inkml:channel name="F" type="integer" max="32767" units="dev"/>
+          <inkml:channel name="OA" type="integer" max="360" units="deg"/>
+          <inkml:channel name="OE" type="integer" max="90" units="deg"/>
+        </inkml:traceFormat>
+        <inkml:channelProperties>
+          <inkml:channelProperty channel="X" name="resolution" value="1000" units="1/cm"/>
+          <inkml:channelProperty channel="Y" name="resolution" value="1000" units="1/cm"/>
+          <inkml:channelProperty channel="F" name="resolution" value="0" units="1/dev"/>
+          <inkml:channelProperty channel="OA" name="resolution" value="1000" units="1/deg"/>
+          <inkml:channelProperty channel="OE" name="resolution" value="1000" units="1/deg"/>
+        </inkml:channelProperties>
+      </inkml:inkSource>
+      <inkml:timestamp xml:id="ts0" timeString="2021-07-19T16:31:02.093"/>
+    </inkml:context>
+    <inkml:brush xml:id="br0">
+      <inkml:brushProperty name="width" value="0.05" units="cm"/>
+      <inkml:brushProperty name="height" value="0.05" units="cm"/>
+      <inkml:brushProperty name="color" value="#FF0066"/>
+    </inkml:brush>
+  </inkml:definitions>
+  <inkml:trace contextRef="#ctx0" brushRef="#br0">30 0 4144 0 0,'0'0'319'0'0,"-8"3"458"0"0,3-1 3168 0 0,-4 6-912 0 0,9-8-2907 0 0,-1 1 0 0 0,1-1 0 0 0,-1 0 0 0 0,1 0 0 0 0,0 1 0 0 0,-1-1 0 0 0,1 0 0 0 0,-1 1 0 0 0,1-1-1 0 0,0 0 1 0 0,-1 1 0 0 0,1-1 0 0 0,0 1 0 0 0,0-1 0 0 0,-1 1 0 0 0,1-1 0 0 0,0 0 0 0 0,0 1 0 0 0,0-1 0 0 0,-1 1-1 0 0,1-1 1 0 0,0 1 0 0 0,0-1 0 0 0,0 1 0 0 0,0-1 0 0 0,0 1 0 0 0,0-1 0 0 0,0 1 0 0 0,0-1 0 0 0,0 1 0 0 0,0 0 0 0 0,1 0 385 0 0,-1 1-366 0 0,0-1 0 0 0,1 0 0 0 0,-1 0 0 0 0,1 0 0 0 0,-1 1 0 0 0,1-1 0 0 0,0 0 0 0 0,-1 0-1 0 0,1 0 1 0 0,0 0 0 0 0,0 0 0 0 0,0 0 0 0 0,-1 0 0 0 0,1-1 0 0 0,0 1 0 0 0,0 0-1 0 0,0 0 1 0 0,1-1 0 0 0,-1 1 0 0 0,2 0 0 0 0,1 2 214 0 0,1-1 1 0 0,-1-1-1 0 0,1 1 1 0 0,7 1-1 0 0,-1-2-208 0 0,-1-1 0 0 0,1 0 0 0 0,0-1 0 0 0,0 0 0 0 0,0 0 0 0 0,0-1 0 0 0,14-5 0 0 0,1 1 121 0 0,28-4 8 0 0,0 2 0 0 0,99-1 0 0 0,-76 11 496 0 0,94 16-1 0 0,-97-12-369 0 0,142-5 0 0 0,-95-3-163 0 0,-43 1-187 0 0,149 6 186 0 0,-112 9-224 0 0,80 2 39 0 0,66-11 477 0 0,-166-3-218 0 0,137 11 164 0 0,57 5-79 0 0,-120-10 121 0 0,-148-7-363 0 0,0-1 0 0 0,37-4 0 0 0,-50 3-115 0 0,0 0 0 0 0,0-1 1 0 0,0 0-1 0 0,-1-1 0 0 0,1 0 1 0 0,0 0-1 0 0,-1 0 0 0 0,0-1 1 0 0,14-9-1 0 0,-13 7-129 0 0,7-7-382 0 0,0 1 0 0 0,18-20 1 0 0,-28 28-457 0 0</inkml:trace>
+</inkml:ink>
+</file>
+
+<file path=ppt/ink/ink5.xml><?xml version="1.0" encoding="utf-8"?>
+<inkml:ink xmlns:inkml="http://www.w3.org/2003/InkML">
+  <inkml:definitions>
+    <inkml:context xml:id="ctx0">
+      <inkml:inkSource xml:id="inkSrc0">
+        <inkml:traceFormat>
+          <inkml:channel name="X" type="integer" min="-2.14748E9" max="2.14748E9" units="cm"/>
+          <inkml:channel name="Y" type="integer" min="-2.14748E9" max="2.14748E9" units="cm"/>
+          <inkml:channel name="F" type="integer" max="32767" units="dev"/>
+          <inkml:channel name="OA" type="integer" max="360" units="deg"/>
+          <inkml:channel name="OE" type="integer" max="90" units="deg"/>
+        </inkml:traceFormat>
+        <inkml:channelProperties>
+          <inkml:channelProperty channel="X" name="resolution" value="1000" units="1/cm"/>
+          <inkml:channelProperty channel="Y" name="resolution" value="1000" units="1/cm"/>
+          <inkml:channelProperty channel="F" name="resolution" value="0" units="1/dev"/>
+          <inkml:channelProperty channel="OA" name="resolution" value="1000" units="1/deg"/>
+          <inkml:channelProperty channel="OE" name="resolution" value="1000" units="1/deg"/>
+        </inkml:channelProperties>
+      </inkml:inkSource>
+      <inkml:timestamp xml:id="ts0" timeString="2021-07-19T16:31:03.500"/>
+    </inkml:context>
+    <inkml:brush xml:id="br0">
+      <inkml:brushProperty name="width" value="0.05" units="cm"/>
+      <inkml:brushProperty name="height" value="0.05" units="cm"/>
+      <inkml:brushProperty name="color" value="#FF0066"/>
+    </inkml:brush>
+  </inkml:definitions>
+  <inkml:trace contextRef="#ctx0" brushRef="#br0">38 22 9072 0 0,'0'0'413'0'0,"-18"-11"278"0"0,5 4 4099 0 0,7 4 635 0 0,14 4-3385 0 0,16 3-1391 0 0,1 0-1 0 0,31-1 0 0 0,2 1-89 0 0,230 23 1217 0 0,9 1-848 0 0,-175-16-578 0 0,91 11 220 0 0,14-3 54 0 0,-1-18 442 0 0,-193-2-871 0 0,-14 1-86 0 0,1 2 0 0 0,0-1-1 0 0,32 11 1 0 0,14 1 267 0 0,-63-13-339 0 0,0-1 0 0 0,1 0-1 0 0,-1 0 1 0 0,1 0 0 0 0,-1 0 0 0 0,1 0 0 0 0,-1-1-1 0 0,0 1 1 0 0,1-1 0 0 0,-1 0 0 0 0,0 0 0 0 0,0 0-1 0 0,1-1 1 0 0,-1 1 0 0 0,0-1 0 0 0,0 0 0 0 0,0 1-1 0 0,-1-1 1 0 0,5-4 0 0 0,-6 5-411 0 0,7-8 1207 0 0</inkml:trace>
+</inkml:ink>
+</file>
+
+<file path=ppt/ink/ink6.xml><?xml version="1.0" encoding="utf-8"?>
+<inkml:ink xmlns:inkml="http://www.w3.org/2003/InkML">
+  <inkml:definitions>
+    <inkml:context xml:id="ctx0">
+      <inkml:inkSource xml:id="inkSrc0">
+        <inkml:traceFormat>
+          <inkml:channel name="X" type="integer" min="-2.14748E9" max="2.14748E9" units="cm"/>
+          <inkml:channel name="Y" type="integer" min="-2.14748E9" max="2.14748E9" units="cm"/>
+          <inkml:channel name="F" type="integer" max="32767" units="dev"/>
+          <inkml:channel name="OA" type="integer" max="360" units="deg"/>
+          <inkml:channel name="OE" type="integer" max="90" units="deg"/>
+        </inkml:traceFormat>
+        <inkml:channelProperties>
+          <inkml:channelProperty channel="X" name="resolution" value="1000" units="1/cm"/>
+          <inkml:channelProperty channel="Y" name="resolution" value="1000" units="1/cm"/>
+          <inkml:channelProperty channel="F" name="resolution" value="0" units="1/dev"/>
+          <inkml:channelProperty channel="OA" name="resolution" value="1000" units="1/deg"/>
+          <inkml:channelProperty channel="OE" name="resolution" value="1000" units="1/deg"/>
+        </inkml:channelProperties>
+      </inkml:inkSource>
+      <inkml:timestamp xml:id="ts0" timeString="2021-07-19T16:31:14.493"/>
+    </inkml:context>
+    <inkml:brush xml:id="br0">
+      <inkml:brushProperty name="width" value="0.05" units="cm"/>
+      <inkml:brushProperty name="height" value="0.05" units="cm"/>
+      <inkml:brushProperty name="color" value="#FF0066"/>
+    </inkml:brush>
+  </inkml:definitions>
+  <inkml:trace contextRef="#ctx0" brushRef="#br0">3 86 9072 0 0,'0'0'816'0'0,"-1"-19"5066"0"0,1 19-5781 0 0,0 0 0 0 0,0 0-1 0 0,0 0 1 0 0,-1-1 0 0 0,1 1-1 0 0,0 0 1 0 0,0 0 0 0 0,0 0-1 0 0,0-1 1 0 0,0 1 0 0 0,0 0-1 0 0,0 0 1 0 0,-1 0 0 0 0,1-1-1 0 0,0 1 1 0 0,0 0 0 0 0,0 0 0 0 0,0-1-1 0 0,0 1 1 0 0,0 0 0 0 0,0 0-1 0 0,0-1 1 0 0,0 1 0 0 0,0 0-1 0 0,0 0 1 0 0,0-1 0 0 0,0 1-1 0 0,1 0 1 0 0,-1 0 0 0 0,0 0-1 0 0,0-1 1 0 0,0 1 0 0 0,0 0 0 0 0,0 0-1 0 0,1-1 1 0 0,9-6 1787 0 0,15 0-696 0 0,181-11 2352 0 0,-97 11-3020 0 0,-28 3-441 0 0,1 3 0 0 0,115 13-1 0 0,217 28-82 0 0,-334-37 124 0 0,102-11-1 0 0,-103 4 71 0 0,156-21 451 0 0,-133 12-476 0 0,-66 8-328 0 0,76-7 614 0 0,-37 9-3076 0 0,-63 3-3709 0 0,-1 0-2013 0 0</inkml:trace>
+</inkml:ink>
+</file>
+
+<file path=ppt/ink/ink7.xml><?xml version="1.0" encoding="utf-8"?>
+<inkml:ink xmlns:inkml="http://www.w3.org/2003/InkML">
+  <inkml:definitions>
+    <inkml:context xml:id="ctx0">
+      <inkml:inkSource xml:id="inkSrc0">
+        <inkml:traceFormat>
+          <inkml:channel name="X" type="integer" min="-2.14748E9" max="2.14748E9" units="cm"/>
+          <inkml:channel name="Y" type="integer" min="-2.14748E9" max="2.14748E9" units="cm"/>
+          <inkml:channel name="F" type="integer" max="32767" units="dev"/>
+          <inkml:channel name="OA" type="integer" max="360" units="deg"/>
+          <inkml:channel name="OE" type="integer" max="90" units="deg"/>
+        </inkml:traceFormat>
+        <inkml:channelProperties>
+          <inkml:channelProperty channel="X" name="resolution" value="1000" units="1/cm"/>
+          <inkml:channelProperty channel="Y" name="resolution" value="1000" units="1/cm"/>
+          <inkml:channelProperty channel="F" name="resolution" value="0" units="1/dev"/>
+          <inkml:channelProperty channel="OA" name="resolution" value="1000" units="1/deg"/>
+          <inkml:channelProperty channel="OE" name="resolution" value="1000" units="1/deg"/>
+        </inkml:channelProperties>
+      </inkml:inkSource>
+      <inkml:timestamp xml:id="ts0" timeString="2021-07-19T16:31:15.928"/>
+    </inkml:context>
+    <inkml:brush xml:id="br0">
+      <inkml:brushProperty name="width" value="0.05" units="cm"/>
+      <inkml:brushProperty name="height" value="0.05" units="cm"/>
+      <inkml:brushProperty name="color" value="#FF0066"/>
+    </inkml:brush>
+  </inkml:definitions>
+  <inkml:trace contextRef="#ctx0" brushRef="#br0">29 90 2304 0 0,'0'0'101'0'0,"-12"13"6351"0"0,11-13-6270 0 0,1 1 1 0 0,0-1-1 0 0,0 1 0 0 0,-1-1 1 0 0,1 1-1 0 0,-1-1 0 0 0,1 1 1 0 0,0-1-1 0 0,-1 0 1 0 0,1 1-1 0 0,-1-1 0 0 0,1 0 1 0 0,-1 1-1 0 0,1-1 0 0 0,-1 0 1 0 0,1 0-1 0 0,-2 1 0 0 0,-6 4 3751 0 0,14-17-582 0 0,-2 10-3286 0 0,0 0 0 0 0,-1 0-1 0 0,1 0 1 0 0,0 1 0 0 0,0 0-1 0 0,0 0 1 0 0,0 0-1 0 0,0 0 1 0 0,9 0 0 0 0,10-3-594 0 0,-17 3 531 0 0,1 0 0 0 0,-1 0 0 0 0,10 1 0 0 0,-9 0 261 0 0,-1-1 0 0 0,1 1-1 0 0,-1-1 1 0 0,9-2 0 0 0,2-1-77 0 0,31-3 0 0 0,-6 1-231 0 0,-26 3 135 0 0,5-1 98 0 0,21-6-1 0 0,-3-1-85 0 0,1 2 0 0 0,0 2 0 0 0,55-4 0 0 0,122 6 332 0 0,-179 5-420 0 0,160 8 950 0 0,-83-1-484 0 0,-48-3-189 0 0,-8-1 74 0 0,92-5-1 0 0,-97-1-90 0 0,66 5-1 0 0,-21 1-20 0 0,-45-2-107 0 0,47-2 140 0 0,-41 2-155 0 0,-19 1-35 0 0,106 7 773 0 0,-113-5-527 0 0,-29-3-273 0 0,0 0-1 0 0,1 0 0 0 0,-1 0 0 0 0,1-1 0 0 0,-1 0 1 0 0,1-1-1 0 0,5 0 0 0 0,5 0 150 0 0,-1 2-15 0 0,-14-1-117 0 0,-9 23-3955 0 0,5-16 1863 0 0</inkml:trace>
+</inkml:ink>
 </file>
 
 <file path=ppt/notesMasters/notesMaster1.xml><?xml version="1.0" encoding="utf-8"?>
@@ -839,7 +1063,7 @@
           <a:p>
             <a:fld id="{3A2BF66F-FEB0-48C1-A8B9-A73F54BB1A08}" type="datetimeFigureOut">
               <a:rPr lang="en-US" smtClean="0"/>
-              <a:t>7/18/2021</a:t>
+              <a:t>7/19/2021</a:t>
             </a:fld>
             <a:endParaRPr lang="en-US" dirty="0"/>
           </a:p>
@@ -1047,7 +1271,7 @@
           <a:p>
             <a:fld id="{3A2BF66F-FEB0-48C1-A8B9-A73F54BB1A08}" type="datetimeFigureOut">
               <a:rPr lang="en-US" smtClean="0"/>
-              <a:t>7/18/2021</a:t>
+              <a:t>7/19/2021</a:t>
             </a:fld>
             <a:endParaRPr lang="en-US" dirty="0"/>
           </a:p>
@@ -1265,7 +1489,7 @@
           <a:p>
             <a:fld id="{3A2BF66F-FEB0-48C1-A8B9-A73F54BB1A08}" type="datetimeFigureOut">
               <a:rPr lang="en-US" smtClean="0"/>
-              <a:t>7/18/2021</a:t>
+              <a:t>7/19/2021</a:t>
             </a:fld>
             <a:endParaRPr lang="en-US" dirty="0"/>
           </a:p>
@@ -1473,7 +1697,7 @@
           <a:p>
             <a:fld id="{3A2BF66F-FEB0-48C1-A8B9-A73F54BB1A08}" type="datetimeFigureOut">
               <a:rPr lang="en-US" smtClean="0"/>
-              <a:t>7/18/2021</a:t>
+              <a:t>7/19/2021</a:t>
             </a:fld>
             <a:endParaRPr lang="en-US" dirty="0"/>
           </a:p>
@@ -1758,7 +1982,7 @@
           <a:p>
             <a:fld id="{3A2BF66F-FEB0-48C1-A8B9-A73F54BB1A08}" type="datetimeFigureOut">
               <a:rPr lang="en-US" smtClean="0"/>
-              <a:t>7/18/2021</a:t>
+              <a:t>7/19/2021</a:t>
             </a:fld>
             <a:endParaRPr lang="en-US" dirty="0"/>
           </a:p>
@@ -2033,7 +2257,7 @@
           <a:p>
             <a:fld id="{3A2BF66F-FEB0-48C1-A8B9-A73F54BB1A08}" type="datetimeFigureOut">
               <a:rPr lang="en-US" smtClean="0"/>
-              <a:t>7/18/2021</a:t>
+              <a:t>7/19/2021</a:t>
             </a:fld>
             <a:endParaRPr lang="en-US" dirty="0"/>
           </a:p>
@@ -2455,7 +2679,7 @@
           <a:p>
             <a:fld id="{3A2BF66F-FEB0-48C1-A8B9-A73F54BB1A08}" type="datetimeFigureOut">
               <a:rPr lang="en-US" smtClean="0"/>
-              <a:t>7/18/2021</a:t>
+              <a:t>7/19/2021</a:t>
             </a:fld>
             <a:endParaRPr lang="en-US" dirty="0"/>
           </a:p>
@@ -2606,7 +2830,7 @@
           <a:p>
             <a:fld id="{3A2BF66F-FEB0-48C1-A8B9-A73F54BB1A08}" type="datetimeFigureOut">
               <a:rPr lang="en-US" smtClean="0"/>
-              <a:t>7/18/2021</a:t>
+              <a:t>7/19/2021</a:t>
             </a:fld>
             <a:endParaRPr lang="en-US" dirty="0"/>
           </a:p>
@@ -2729,7 +2953,7 @@
           <a:p>
             <a:fld id="{3A2BF66F-FEB0-48C1-A8B9-A73F54BB1A08}" type="datetimeFigureOut">
               <a:rPr lang="en-US" smtClean="0"/>
-              <a:t>7/18/2021</a:t>
+              <a:t>7/19/2021</a:t>
             </a:fld>
             <a:endParaRPr lang="en-US" dirty="0"/>
           </a:p>
@@ -3049,7 +3273,7 @@
           <a:p>
             <a:fld id="{3A2BF66F-FEB0-48C1-A8B9-A73F54BB1A08}" type="datetimeFigureOut">
               <a:rPr lang="en-US" smtClean="0"/>
-              <a:t>7/18/2021</a:t>
+              <a:t>7/19/2021</a:t>
             </a:fld>
             <a:endParaRPr lang="en-US" dirty="0"/>
           </a:p>
@@ -3347,7 +3571,7 @@
           <a:p>
             <a:fld id="{3A2BF66F-FEB0-48C1-A8B9-A73F54BB1A08}" type="datetimeFigureOut">
               <a:rPr lang="en-US" smtClean="0"/>
-              <a:t>7/18/2021</a:t>
+              <a:t>7/19/2021</a:t>
             </a:fld>
             <a:endParaRPr lang="en-US" dirty="0"/>
           </a:p>
@@ -3598,7 +3822,7 @@
           <a:p>
             <a:fld id="{3A2BF66F-FEB0-48C1-A8B9-A73F54BB1A08}" type="datetimeFigureOut">
               <a:rPr lang="en-US" smtClean="0"/>
-              <a:t>7/18/2021</a:t>
+              <a:t>7/19/2021</a:t>
             </a:fld>
             <a:endParaRPr lang="en-US" dirty="0"/>
           </a:p>
@@ -4324,6 +4548,363 @@
           </a:p>
         </p:txBody>
       </p:sp>
+      <mc:AlternateContent xmlns:mc="http://schemas.openxmlformats.org/markup-compatibility/2006">
+        <mc:Choice xmlns:p14="http://schemas.microsoft.com/office/powerpoint/2010/main" Requires="p14">
+          <p:contentPart p14:bwMode="auto" r:id="rId2">
+            <p14:nvContentPartPr>
+              <p14:cNvPr id="4" name="Ink 3">
+                <a:extLst>
+                  <a:ext uri="{FF2B5EF4-FFF2-40B4-BE49-F238E27FC236}">
+                    <a16:creationId xmlns:a16="http://schemas.microsoft.com/office/drawing/2014/main" id="{A0FFA135-52F6-4B3A-9E1F-26BF8E3FC100}"/>
+                  </a:ext>
+                </a:extLst>
+              </p14:cNvPr>
+              <p14:cNvContentPartPr/>
+              <p14:nvPr/>
+            </p14:nvContentPartPr>
+            <p14:xfrm>
+              <a:off x="858889" y="1717819"/>
+              <a:ext cx="386640" cy="58320"/>
+            </p14:xfrm>
+          </p:contentPart>
+        </mc:Choice>
+        <mc:Fallback>
+          <p:pic>
+            <p:nvPicPr>
+              <p:cNvPr id="4" name="Ink 3">
+                <a:extLst>
+                  <a:ext uri="{FF2B5EF4-FFF2-40B4-BE49-F238E27FC236}">
+                    <a16:creationId xmlns:a16="http://schemas.microsoft.com/office/drawing/2014/main" id="{A0FFA135-52F6-4B3A-9E1F-26BF8E3FC100}"/>
+                  </a:ext>
+                </a:extLst>
+              </p:cNvPr>
+              <p:cNvPicPr/>
+              <p:nvPr/>
+            </p:nvPicPr>
+            <p:blipFill>
+              <a:blip r:embed="rId3"/>
+              <a:stretch>
+                <a:fillRect/>
+              </a:stretch>
+            </p:blipFill>
+            <p:spPr>
+              <a:xfrm>
+                <a:off x="849889" y="1708819"/>
+                <a:ext cx="404280" cy="75960"/>
+              </a:xfrm>
+              <a:prstGeom prst="rect">
+                <a:avLst/>
+              </a:prstGeom>
+            </p:spPr>
+          </p:pic>
+        </mc:Fallback>
+      </mc:AlternateContent>
+      <mc:AlternateContent xmlns:mc="http://schemas.openxmlformats.org/markup-compatibility/2006">
+        <mc:Choice xmlns:p14="http://schemas.microsoft.com/office/powerpoint/2010/main" Requires="p14">
+          <p:contentPart p14:bwMode="auto" r:id="rId4">
+            <p14:nvContentPartPr>
+              <p14:cNvPr id="5" name="Ink 4">
+                <a:extLst>
+                  <a:ext uri="{FF2B5EF4-FFF2-40B4-BE49-F238E27FC236}">
+                    <a16:creationId xmlns:a16="http://schemas.microsoft.com/office/drawing/2014/main" id="{FC6D8731-8F5C-4B26-BF2C-214E9B1605E7}"/>
+                  </a:ext>
+                </a:extLst>
+              </p14:cNvPr>
+              <p14:cNvContentPartPr/>
+              <p14:nvPr/>
+            </p14:nvContentPartPr>
+            <p14:xfrm>
+              <a:off x="3947329" y="1753099"/>
+              <a:ext cx="1224720" cy="61560"/>
+            </p14:xfrm>
+          </p:contentPart>
+        </mc:Choice>
+        <mc:Fallback>
+          <p:pic>
+            <p:nvPicPr>
+              <p:cNvPr id="5" name="Ink 4">
+                <a:extLst>
+                  <a:ext uri="{FF2B5EF4-FFF2-40B4-BE49-F238E27FC236}">
+                    <a16:creationId xmlns:a16="http://schemas.microsoft.com/office/drawing/2014/main" id="{FC6D8731-8F5C-4B26-BF2C-214E9B1605E7}"/>
+                  </a:ext>
+                </a:extLst>
+              </p:cNvPr>
+              <p:cNvPicPr/>
+              <p:nvPr/>
+            </p:nvPicPr>
+            <p:blipFill>
+              <a:blip r:embed="rId5"/>
+              <a:stretch>
+                <a:fillRect/>
+              </a:stretch>
+            </p:blipFill>
+            <p:spPr>
+              <a:xfrm>
+                <a:off x="3938689" y="1744459"/>
+                <a:ext cx="1242360" cy="79200"/>
+              </a:xfrm>
+              <a:prstGeom prst="rect">
+                <a:avLst/>
+              </a:prstGeom>
+            </p:spPr>
+          </p:pic>
+        </mc:Fallback>
+      </mc:AlternateContent>
+      <mc:AlternateContent xmlns:mc="http://schemas.openxmlformats.org/markup-compatibility/2006">
+        <mc:Choice xmlns:p14="http://schemas.microsoft.com/office/powerpoint/2010/main" Requires="p14">
+          <p:contentPart p14:bwMode="auto" r:id="rId6">
+            <p14:nvContentPartPr>
+              <p14:cNvPr id="6" name="Ink 5">
+                <a:extLst>
+                  <a:ext uri="{FF2B5EF4-FFF2-40B4-BE49-F238E27FC236}">
+                    <a16:creationId xmlns:a16="http://schemas.microsoft.com/office/drawing/2014/main" id="{43E0041E-230D-4E2E-9BCC-5D5AE2BBA8DE}"/>
+                  </a:ext>
+                </a:extLst>
+              </p14:cNvPr>
+              <p14:cNvContentPartPr/>
+              <p14:nvPr/>
+            </p14:nvContentPartPr>
+            <p14:xfrm>
+              <a:off x="1202329" y="2057659"/>
+              <a:ext cx="971640" cy="32760"/>
+            </p14:xfrm>
+          </p:contentPart>
+        </mc:Choice>
+        <mc:Fallback>
+          <p:pic>
+            <p:nvPicPr>
+              <p:cNvPr id="6" name="Ink 5">
+                <a:extLst>
+                  <a:ext uri="{FF2B5EF4-FFF2-40B4-BE49-F238E27FC236}">
+                    <a16:creationId xmlns:a16="http://schemas.microsoft.com/office/drawing/2014/main" id="{43E0041E-230D-4E2E-9BCC-5D5AE2BBA8DE}"/>
+                  </a:ext>
+                </a:extLst>
+              </p:cNvPr>
+              <p:cNvPicPr/>
+              <p:nvPr/>
+            </p:nvPicPr>
+            <p:blipFill>
+              <a:blip r:embed="rId7"/>
+              <a:stretch>
+                <a:fillRect/>
+              </a:stretch>
+            </p:blipFill>
+            <p:spPr>
+              <a:xfrm>
+                <a:off x="1193329" y="2048659"/>
+                <a:ext cx="989280" cy="50400"/>
+              </a:xfrm>
+              <a:prstGeom prst="rect">
+                <a:avLst/>
+              </a:prstGeom>
+            </p:spPr>
+          </p:pic>
+        </mc:Fallback>
+      </mc:AlternateContent>
+      <mc:AlternateContent xmlns:mc="http://schemas.openxmlformats.org/markup-compatibility/2006">
+        <mc:Choice xmlns:p14="http://schemas.microsoft.com/office/powerpoint/2010/main" Requires="p14">
+          <p:contentPart p14:bwMode="auto" r:id="rId8">
+            <p14:nvContentPartPr>
+              <p14:cNvPr id="7" name="Ink 6">
+                <a:extLst>
+                  <a:ext uri="{FF2B5EF4-FFF2-40B4-BE49-F238E27FC236}">
+                    <a16:creationId xmlns:a16="http://schemas.microsoft.com/office/drawing/2014/main" id="{B37A580A-5AF7-469A-94C0-73FA246E66C7}"/>
+                  </a:ext>
+                </a:extLst>
+              </p14:cNvPr>
+              <p14:cNvContentPartPr/>
+              <p14:nvPr/>
+            </p14:nvContentPartPr>
+            <p14:xfrm>
+              <a:off x="873289" y="2471299"/>
+              <a:ext cx="1088640" cy="44280"/>
+            </p14:xfrm>
+          </p:contentPart>
+        </mc:Choice>
+        <mc:Fallback>
+          <p:pic>
+            <p:nvPicPr>
+              <p:cNvPr id="7" name="Ink 6">
+                <a:extLst>
+                  <a:ext uri="{FF2B5EF4-FFF2-40B4-BE49-F238E27FC236}">
+                    <a16:creationId xmlns:a16="http://schemas.microsoft.com/office/drawing/2014/main" id="{B37A580A-5AF7-469A-94C0-73FA246E66C7}"/>
+                  </a:ext>
+                </a:extLst>
+              </p:cNvPr>
+              <p:cNvPicPr/>
+              <p:nvPr/>
+            </p:nvPicPr>
+            <p:blipFill>
+              <a:blip r:embed="rId9"/>
+              <a:stretch>
+                <a:fillRect/>
+              </a:stretch>
+            </p:blipFill>
+            <p:spPr>
+              <a:xfrm>
+                <a:off x="864649" y="2462299"/>
+                <a:ext cx="1106280" cy="61920"/>
+              </a:xfrm>
+              <a:prstGeom prst="rect">
+                <a:avLst/>
+              </a:prstGeom>
+            </p:spPr>
+          </p:pic>
+        </mc:Fallback>
+      </mc:AlternateContent>
+      <mc:AlternateContent xmlns:mc="http://schemas.openxmlformats.org/markup-compatibility/2006">
+        <mc:Choice xmlns:p14="http://schemas.microsoft.com/office/powerpoint/2010/main" Requires="p14">
+          <p:contentPart p14:bwMode="auto" r:id="rId10">
+            <p14:nvContentPartPr>
+              <p14:cNvPr id="8" name="Ink 7">
+                <a:extLst>
+                  <a:ext uri="{FF2B5EF4-FFF2-40B4-BE49-F238E27FC236}">
+                    <a16:creationId xmlns:a16="http://schemas.microsoft.com/office/drawing/2014/main" id="{051EEF24-FDDA-4227-BA43-FE9A9A1A33D7}"/>
+                  </a:ext>
+                </a:extLst>
+              </p14:cNvPr>
+              <p14:cNvContentPartPr/>
+              <p14:nvPr/>
+            </p14:nvContentPartPr>
+            <p14:xfrm>
+              <a:off x="4084849" y="2478859"/>
+              <a:ext cx="659520" cy="58680"/>
+            </p14:xfrm>
+          </p:contentPart>
+        </mc:Choice>
+        <mc:Fallback>
+          <p:pic>
+            <p:nvPicPr>
+              <p:cNvPr id="8" name="Ink 7">
+                <a:extLst>
+                  <a:ext uri="{FF2B5EF4-FFF2-40B4-BE49-F238E27FC236}">
+                    <a16:creationId xmlns:a16="http://schemas.microsoft.com/office/drawing/2014/main" id="{051EEF24-FDDA-4227-BA43-FE9A9A1A33D7}"/>
+                  </a:ext>
+                </a:extLst>
+              </p:cNvPr>
+              <p:cNvPicPr/>
+              <p:nvPr/>
+            </p:nvPicPr>
+            <p:blipFill>
+              <a:blip r:embed="rId11"/>
+              <a:stretch>
+                <a:fillRect/>
+              </a:stretch>
+            </p:blipFill>
+            <p:spPr>
+              <a:xfrm>
+                <a:off x="4076209" y="2470219"/>
+                <a:ext cx="677160" cy="76320"/>
+              </a:xfrm>
+              <a:prstGeom prst="rect">
+                <a:avLst/>
+              </a:prstGeom>
+            </p:spPr>
+          </p:pic>
+        </mc:Fallback>
+      </mc:AlternateContent>
+      <mc:AlternateContent xmlns:mc="http://schemas.openxmlformats.org/markup-compatibility/2006">
+        <mc:Choice xmlns:p14="http://schemas.microsoft.com/office/powerpoint/2010/main" Requires="p14">
+          <p:contentPart p14:bwMode="auto" r:id="rId12">
+            <p14:nvContentPartPr>
+              <p14:cNvPr id="9" name="Ink 8">
+                <a:extLst>
+                  <a:ext uri="{FF2B5EF4-FFF2-40B4-BE49-F238E27FC236}">
+                    <a16:creationId xmlns:a16="http://schemas.microsoft.com/office/drawing/2014/main" id="{02C2EB1A-91C5-4730-B4CF-86971F12952B}"/>
+                  </a:ext>
+                </a:extLst>
+              </p14:cNvPr>
+              <p14:cNvContentPartPr/>
+              <p14:nvPr/>
+            </p14:nvContentPartPr>
+            <p14:xfrm>
+              <a:off x="3179809" y="2782339"/>
+              <a:ext cx="738360" cy="30960"/>
+            </p14:xfrm>
+          </p:contentPart>
+        </mc:Choice>
+        <mc:Fallback>
+          <p:pic>
+            <p:nvPicPr>
+              <p:cNvPr id="9" name="Ink 8">
+                <a:extLst>
+                  <a:ext uri="{FF2B5EF4-FFF2-40B4-BE49-F238E27FC236}">
+                    <a16:creationId xmlns:a16="http://schemas.microsoft.com/office/drawing/2014/main" id="{02C2EB1A-91C5-4730-B4CF-86971F12952B}"/>
+                  </a:ext>
+                </a:extLst>
+              </p:cNvPr>
+              <p:cNvPicPr/>
+              <p:nvPr/>
+            </p:nvPicPr>
+            <p:blipFill>
+              <a:blip r:embed="rId13"/>
+              <a:stretch>
+                <a:fillRect/>
+              </a:stretch>
+            </p:blipFill>
+            <p:spPr>
+              <a:xfrm>
+                <a:off x="3170809" y="2773339"/>
+                <a:ext cx="756000" cy="48600"/>
+              </a:xfrm>
+              <a:prstGeom prst="rect">
+                <a:avLst/>
+              </a:prstGeom>
+            </p:spPr>
+          </p:pic>
+        </mc:Fallback>
+      </mc:AlternateContent>
+      <mc:AlternateContent xmlns:mc="http://schemas.openxmlformats.org/markup-compatibility/2006">
+        <mc:Choice xmlns:p14="http://schemas.microsoft.com/office/powerpoint/2010/main" Requires="p14">
+          <p:contentPart p14:bwMode="auto" r:id="rId14">
+            <p14:nvContentPartPr>
+              <p14:cNvPr id="10" name="Ink 9">
+                <a:extLst>
+                  <a:ext uri="{FF2B5EF4-FFF2-40B4-BE49-F238E27FC236}">
+                    <a16:creationId xmlns:a16="http://schemas.microsoft.com/office/drawing/2014/main" id="{6FB3A035-6442-4FFF-92F4-E882C97B5127}"/>
+                  </a:ext>
+                </a:extLst>
+              </p14:cNvPr>
+              <p14:cNvContentPartPr/>
+              <p14:nvPr/>
+            </p14:nvContentPartPr>
+            <p14:xfrm>
+              <a:off x="843409" y="3204259"/>
+              <a:ext cx="788400" cy="41760"/>
+            </p14:xfrm>
+          </p:contentPart>
+        </mc:Choice>
+        <mc:Fallback>
+          <p:pic>
+            <p:nvPicPr>
+              <p:cNvPr id="10" name="Ink 9">
+                <a:extLst>
+                  <a:ext uri="{FF2B5EF4-FFF2-40B4-BE49-F238E27FC236}">
+                    <a16:creationId xmlns:a16="http://schemas.microsoft.com/office/drawing/2014/main" id="{6FB3A035-6442-4FFF-92F4-E882C97B5127}"/>
+                  </a:ext>
+                </a:extLst>
+              </p:cNvPr>
+              <p:cNvPicPr/>
+              <p:nvPr/>
+            </p:nvPicPr>
+            <p:blipFill>
+              <a:blip r:embed="rId15"/>
+              <a:stretch>
+                <a:fillRect/>
+              </a:stretch>
+            </p:blipFill>
+            <p:spPr>
+              <a:xfrm>
+                <a:off x="834409" y="3195259"/>
+                <a:ext cx="806040" cy="59400"/>
+              </a:xfrm>
+              <a:prstGeom prst="rect">
+                <a:avLst/>
+              </a:prstGeom>
+            </p:spPr>
+          </p:pic>
+        </mc:Fallback>
+      </mc:AlternateContent>
     </p:spTree>
     <p:extLst>
       <p:ext uri="{BB962C8B-B14F-4D97-AF65-F5344CB8AC3E}">
